--- a/dockercommands.pptx
+++ b/dockercommands.pptx
@@ -31,6 +31,13 @@
     <p:sldId id="279" r:id="rId25"/>
     <p:sldId id="280" r:id="rId26"/>
     <p:sldId id="281" r:id="rId27"/>
+    <p:sldId id="282" r:id="rId28"/>
+    <p:sldId id="283" r:id="rId29"/>
+    <p:sldId id="284" r:id="rId30"/>
+    <p:sldId id="285" r:id="rId31"/>
+    <p:sldId id="286" r:id="rId32"/>
+    <p:sldId id="287" r:id="rId33"/>
+    <p:sldId id="288" r:id="rId34"/>
   </p:sldIdLst>
   <p:sldSz cx="12192000" cy="6858000"/>
   <p:notesSz cx="6858000" cy="9144000"/>
@@ -164,6 +171,13 @@
             <p14:sldId id="279"/>
             <p14:sldId id="280"/>
             <p14:sldId id="281"/>
+            <p14:sldId id="282"/>
+            <p14:sldId id="283"/>
+            <p14:sldId id="284"/>
+            <p14:sldId id="285"/>
+            <p14:sldId id="286"/>
+            <p14:sldId id="287"/>
+            <p14:sldId id="288"/>
           </p14:sldIdLst>
         </p14:section>
       </p14:sectionLst>
@@ -322,7 +336,7 @@
           <a:p>
             <a:fld id="{6C99385A-C51F-450B-9121-6B40ACB0DC7F}" type="datetimeFigureOut">
               <a:rPr lang="en-US" smtClean="0"/>
-              <a:t>10/9/2021</a:t>
+              <a:t>10/22/2021</a:t>
             </a:fld>
             <a:endParaRPr lang="en-US"/>
           </a:p>
@@ -520,7 +534,7 @@
           <a:p>
             <a:fld id="{6C99385A-C51F-450B-9121-6B40ACB0DC7F}" type="datetimeFigureOut">
               <a:rPr lang="en-US" smtClean="0"/>
-              <a:t>10/9/2021</a:t>
+              <a:t>10/22/2021</a:t>
             </a:fld>
             <a:endParaRPr lang="en-US"/>
           </a:p>
@@ -728,7 +742,7 @@
           <a:p>
             <a:fld id="{6C99385A-C51F-450B-9121-6B40ACB0DC7F}" type="datetimeFigureOut">
               <a:rPr lang="en-US" smtClean="0"/>
-              <a:t>10/9/2021</a:t>
+              <a:t>10/22/2021</a:t>
             </a:fld>
             <a:endParaRPr lang="en-US"/>
           </a:p>
@@ -926,7 +940,7 @@
           <a:p>
             <a:fld id="{6C99385A-C51F-450B-9121-6B40ACB0DC7F}" type="datetimeFigureOut">
               <a:rPr lang="en-US" smtClean="0"/>
-              <a:t>10/9/2021</a:t>
+              <a:t>10/22/2021</a:t>
             </a:fld>
             <a:endParaRPr lang="en-US"/>
           </a:p>
@@ -1201,7 +1215,7 @@
           <a:p>
             <a:fld id="{6C99385A-C51F-450B-9121-6B40ACB0DC7F}" type="datetimeFigureOut">
               <a:rPr lang="en-US" smtClean="0"/>
-              <a:t>10/9/2021</a:t>
+              <a:t>10/22/2021</a:t>
             </a:fld>
             <a:endParaRPr lang="en-US"/>
           </a:p>
@@ -1466,7 +1480,7 @@
           <a:p>
             <a:fld id="{6C99385A-C51F-450B-9121-6B40ACB0DC7F}" type="datetimeFigureOut">
               <a:rPr lang="en-US" smtClean="0"/>
-              <a:t>10/9/2021</a:t>
+              <a:t>10/22/2021</a:t>
             </a:fld>
             <a:endParaRPr lang="en-US"/>
           </a:p>
@@ -1878,7 +1892,7 @@
           <a:p>
             <a:fld id="{6C99385A-C51F-450B-9121-6B40ACB0DC7F}" type="datetimeFigureOut">
               <a:rPr lang="en-US" smtClean="0"/>
-              <a:t>10/9/2021</a:t>
+              <a:t>10/22/2021</a:t>
             </a:fld>
             <a:endParaRPr lang="en-US"/>
           </a:p>
@@ -2019,7 +2033,7 @@
           <a:p>
             <a:fld id="{6C99385A-C51F-450B-9121-6B40ACB0DC7F}" type="datetimeFigureOut">
               <a:rPr lang="en-US" smtClean="0"/>
-              <a:t>10/9/2021</a:t>
+              <a:t>10/22/2021</a:t>
             </a:fld>
             <a:endParaRPr lang="en-US"/>
           </a:p>
@@ -2132,7 +2146,7 @@
           <a:p>
             <a:fld id="{6C99385A-C51F-450B-9121-6B40ACB0DC7F}" type="datetimeFigureOut">
               <a:rPr lang="en-US" smtClean="0"/>
-              <a:t>10/9/2021</a:t>
+              <a:t>10/22/2021</a:t>
             </a:fld>
             <a:endParaRPr lang="en-US"/>
           </a:p>
@@ -2443,7 +2457,7 @@
           <a:p>
             <a:fld id="{6C99385A-C51F-450B-9121-6B40ACB0DC7F}" type="datetimeFigureOut">
               <a:rPr lang="en-US" smtClean="0"/>
-              <a:t>10/9/2021</a:t>
+              <a:t>10/22/2021</a:t>
             </a:fld>
             <a:endParaRPr lang="en-US"/>
           </a:p>
@@ -2731,7 +2745,7 @@
           <a:p>
             <a:fld id="{6C99385A-C51F-450B-9121-6B40ACB0DC7F}" type="datetimeFigureOut">
               <a:rPr lang="en-US" smtClean="0"/>
-              <a:t>10/9/2021</a:t>
+              <a:t>10/22/2021</a:t>
             </a:fld>
             <a:endParaRPr lang="en-US"/>
           </a:p>
@@ -2972,7 +2986,7 @@
           <a:p>
             <a:fld id="{6C99385A-C51F-450B-9121-6B40ACB0DC7F}" type="datetimeFigureOut">
               <a:rPr lang="en-US" smtClean="0"/>
-              <a:t>10/9/2021</a:t>
+              <a:t>10/22/2021</a:t>
             </a:fld>
             <a:endParaRPr lang="en-US"/>
           </a:p>
@@ -6418,6 +6432,1466 @@
 </p:sld>
 </file>
 
+<file path=ppt/slides/slide27.xml><?xml version="1.0" encoding="utf-8"?>
+<p:sld xmlns:a="http://schemas.openxmlformats.org/drawingml/2006/main" xmlns:r="http://schemas.openxmlformats.org/officeDocument/2006/relationships" xmlns:p="http://schemas.openxmlformats.org/presentationml/2006/main">
+  <p:cSld>
+    <p:spTree>
+      <p:nvGrpSpPr>
+        <p:cNvPr id="1" name=""/>
+        <p:cNvGrpSpPr/>
+        <p:nvPr/>
+      </p:nvGrpSpPr>
+      <p:grpSpPr>
+        <a:xfrm>
+          <a:off x="0" y="0"/>
+          <a:ext cx="0" cy="0"/>
+          <a:chOff x="0" y="0"/>
+          <a:chExt cx="0" cy="0"/>
+        </a:xfrm>
+      </p:grpSpPr>
+      <p:sp>
+        <p:nvSpPr>
+          <p:cNvPr id="2" name="Title 1">
+            <a:extLst>
+              <a:ext uri="{FF2B5EF4-FFF2-40B4-BE49-F238E27FC236}">
+                <a16:creationId xmlns:a16="http://schemas.microsoft.com/office/drawing/2014/main" id="{A64A1189-0BCB-4237-80AC-49FAF06B4D97}"/>
+              </a:ext>
+            </a:extLst>
+          </p:cNvPr>
+          <p:cNvSpPr>
+            <a:spLocks noGrp="1"/>
+          </p:cNvSpPr>
+          <p:nvPr>
+            <p:ph type="title"/>
+          </p:nvPr>
+        </p:nvSpPr>
+        <p:spPr>
+          <a:xfrm>
+            <a:off x="838200" y="365126"/>
+            <a:ext cx="10515600" cy="620220"/>
+          </a:xfrm>
+        </p:spPr>
+        <p:txBody>
+          <a:bodyPr>
+            <a:normAutofit fontScale="90000"/>
+          </a:bodyPr>
+          <a:lstStyle/>
+          <a:p>
+            <a:r>
+              <a:rPr lang="en-US" dirty="0" err="1"/>
+              <a:t>Dockerfile</a:t>
+            </a:r>
+            <a:endParaRPr lang="en-US" dirty="0"/>
+          </a:p>
+        </p:txBody>
+      </p:sp>
+      <p:sp>
+        <p:nvSpPr>
+          <p:cNvPr id="3" name="Content Placeholder 2">
+            <a:extLst>
+              <a:ext uri="{FF2B5EF4-FFF2-40B4-BE49-F238E27FC236}">
+                <a16:creationId xmlns:a16="http://schemas.microsoft.com/office/drawing/2014/main" id="{675B9FC5-628C-48D8-8C87-37F43F1C7AF5}"/>
+              </a:ext>
+            </a:extLst>
+          </p:cNvPr>
+          <p:cNvSpPr>
+            <a:spLocks noGrp="1"/>
+          </p:cNvSpPr>
+          <p:nvPr>
+            <p:ph idx="1"/>
+          </p:nvPr>
+        </p:nvSpPr>
+        <p:spPr>
+          <a:xfrm>
+            <a:off x="838200" y="941990"/>
+            <a:ext cx="10515600" cy="5234973"/>
+          </a:xfrm>
+        </p:spPr>
+        <p:txBody>
+          <a:bodyPr>
+            <a:normAutofit/>
+          </a:bodyPr>
+          <a:lstStyle/>
+          <a:p>
+            <a:pPr marL="0" indent="0" algn="l">
+              <a:buNone/>
+            </a:pPr>
+            <a:r>
+              <a:rPr lang="en-US" b="0" i="0" dirty="0">
+                <a:solidFill>
+                  <a:srgbClr val="000000"/>
+                </a:solidFill>
+                <a:effectLst/>
+                <a:latin typeface="Monaco"/>
+              </a:rPr>
+              <a:t>FROM</a:t>
+            </a:r>
+            <a:r>
+              <a:rPr lang="en-US" b="0" i="0" dirty="0">
+                <a:solidFill>
+                  <a:srgbClr val="000000"/>
+                </a:solidFill>
+                <a:effectLst/>
+                <a:latin typeface="inherit"/>
+              </a:rPr>
+              <a:t> </a:t>
+            </a:r>
+            <a:r>
+              <a:rPr lang="en-US" b="0" i="0" dirty="0" err="1">
+                <a:solidFill>
+                  <a:srgbClr val="000000"/>
+                </a:solidFill>
+                <a:effectLst/>
+                <a:latin typeface="Monaco"/>
+              </a:rPr>
+              <a:t>ubuntu</a:t>
+            </a:r>
+            <a:r>
+              <a:rPr lang="en-US" b="0" i="0" dirty="0" err="1">
+                <a:solidFill>
+                  <a:srgbClr val="000000"/>
+                </a:solidFill>
+                <a:effectLst/>
+                <a:latin typeface="inherit"/>
+              </a:rPr>
+              <a:t>:latest</a:t>
+            </a:r>
+            <a:endParaRPr lang="en-US" b="0" i="0" dirty="0">
+              <a:solidFill>
+                <a:srgbClr val="000000"/>
+              </a:solidFill>
+              <a:effectLst/>
+              <a:latin typeface="Monaco"/>
+            </a:endParaRPr>
+          </a:p>
+          <a:p>
+            <a:pPr marL="0" indent="0" algn="l">
+              <a:buNone/>
+            </a:pPr>
+            <a:r>
+              <a:rPr lang="en-US" b="0" i="0" dirty="0">
+                <a:solidFill>
+                  <a:srgbClr val="000000"/>
+                </a:solidFill>
+                <a:effectLst/>
+                <a:latin typeface="Monaco"/>
+              </a:rPr>
+              <a:t>LABEL</a:t>
+            </a:r>
+            <a:r>
+              <a:rPr lang="en-US" b="0" i="0" dirty="0">
+                <a:solidFill>
+                  <a:srgbClr val="000000"/>
+                </a:solidFill>
+                <a:effectLst/>
+                <a:latin typeface="inherit"/>
+              </a:rPr>
+              <a:t> </a:t>
+            </a:r>
+            <a:r>
+              <a:rPr lang="en-US" b="0" i="0" dirty="0">
+                <a:solidFill>
+                  <a:srgbClr val="000000"/>
+                </a:solidFill>
+                <a:effectLst/>
+                <a:latin typeface="Monaco"/>
+              </a:rPr>
+              <a:t>maintainer=</a:t>
+            </a:r>
+            <a:r>
+              <a:rPr lang="en-US" b="0" i="0" dirty="0">
+                <a:solidFill>
+                  <a:srgbClr val="000000"/>
+                </a:solidFill>
+                <a:effectLst/>
+                <a:latin typeface="inherit"/>
+              </a:rPr>
+              <a:t>"myname@somecompany.com"</a:t>
+            </a:r>
+            <a:endParaRPr lang="en-US" b="0" i="0" dirty="0">
+              <a:solidFill>
+                <a:srgbClr val="000000"/>
+              </a:solidFill>
+              <a:effectLst/>
+              <a:latin typeface="Monaco"/>
+            </a:endParaRPr>
+          </a:p>
+          <a:p>
+            <a:pPr marL="0" indent="0" algn="l">
+              <a:buNone/>
+            </a:pPr>
+            <a:r>
+              <a:rPr lang="en-US" b="0" i="0" dirty="0">
+                <a:solidFill>
+                  <a:srgbClr val="000000"/>
+                </a:solidFill>
+                <a:effectLst/>
+                <a:latin typeface="Monaco"/>
+              </a:rPr>
+              <a:t>RUN</a:t>
+            </a:r>
+            <a:r>
+              <a:rPr lang="en-US" b="0" i="0" dirty="0">
+                <a:solidFill>
+                  <a:srgbClr val="000000"/>
+                </a:solidFill>
+                <a:effectLst/>
+                <a:latin typeface="inherit"/>
+              </a:rPr>
+              <a:t> </a:t>
+            </a:r>
+            <a:r>
+              <a:rPr lang="en-US" b="0" i="0" dirty="0">
+                <a:solidFill>
+                  <a:srgbClr val="000000"/>
+                </a:solidFill>
+                <a:effectLst/>
+                <a:latin typeface="Monaco"/>
+              </a:rPr>
+              <a:t>apt-get</a:t>
+            </a:r>
+            <a:r>
+              <a:rPr lang="en-US" b="0" i="0" dirty="0">
+                <a:solidFill>
+                  <a:srgbClr val="000000"/>
+                </a:solidFill>
+                <a:effectLst/>
+                <a:latin typeface="inherit"/>
+              </a:rPr>
+              <a:t> </a:t>
+            </a:r>
+            <a:r>
+              <a:rPr lang="en-US" b="0" i="0" dirty="0">
+                <a:solidFill>
+                  <a:srgbClr val="000000"/>
+                </a:solidFill>
+                <a:effectLst/>
+                <a:latin typeface="Monaco"/>
+              </a:rPr>
+              <a:t>update</a:t>
+            </a:r>
+            <a:r>
+              <a:rPr lang="en-US" b="0" i="0" dirty="0">
+                <a:solidFill>
+                  <a:srgbClr val="000000"/>
+                </a:solidFill>
+                <a:effectLst/>
+                <a:latin typeface="inherit"/>
+              </a:rPr>
+              <a:t> &amp;&amp; </a:t>
+            </a:r>
+            <a:r>
+              <a:rPr lang="en-US" b="0" i="0" dirty="0">
+                <a:solidFill>
+                  <a:srgbClr val="000000"/>
+                </a:solidFill>
+                <a:effectLst/>
+                <a:latin typeface="Monaco"/>
+              </a:rPr>
+              <a:t>apt-get</a:t>
+            </a:r>
+            <a:r>
+              <a:rPr lang="en-US" b="0" i="0" dirty="0">
+                <a:solidFill>
+                  <a:srgbClr val="000000"/>
+                </a:solidFill>
+                <a:effectLst/>
+                <a:latin typeface="inherit"/>
+              </a:rPr>
+              <a:t> </a:t>
+            </a:r>
+            <a:r>
+              <a:rPr lang="en-US" b="0" i="0" dirty="0">
+                <a:solidFill>
+                  <a:srgbClr val="000000"/>
+                </a:solidFill>
+                <a:effectLst/>
+                <a:latin typeface="Monaco"/>
+              </a:rPr>
+              <a:t>upgrade</a:t>
+            </a:r>
+            <a:r>
+              <a:rPr lang="en-US" b="0" i="0" dirty="0">
+                <a:solidFill>
+                  <a:srgbClr val="000000"/>
+                </a:solidFill>
+                <a:effectLst/>
+                <a:latin typeface="inherit"/>
+              </a:rPr>
+              <a:t> </a:t>
+            </a:r>
+            <a:r>
+              <a:rPr lang="en-US" b="0" i="0" dirty="0">
+                <a:solidFill>
+                  <a:srgbClr val="000000"/>
+                </a:solidFill>
+                <a:effectLst/>
+                <a:latin typeface="Monaco"/>
+              </a:rPr>
+              <a:t>-y</a:t>
+            </a:r>
+          </a:p>
+          <a:p>
+            <a:pPr marL="0" indent="0" algn="l">
+              <a:buNone/>
+            </a:pPr>
+            <a:r>
+              <a:rPr lang="en-US" b="0" i="0" dirty="0">
+                <a:solidFill>
+                  <a:srgbClr val="000000"/>
+                </a:solidFill>
+                <a:effectLst/>
+                <a:latin typeface="Monaco"/>
+              </a:rPr>
+              <a:t>RUN</a:t>
+            </a:r>
+            <a:r>
+              <a:rPr lang="en-US" b="0" i="0" dirty="0">
+                <a:solidFill>
+                  <a:srgbClr val="000000"/>
+                </a:solidFill>
+                <a:effectLst/>
+                <a:latin typeface="inherit"/>
+              </a:rPr>
+              <a:t> </a:t>
+            </a:r>
+            <a:r>
+              <a:rPr lang="en-US" b="0" i="0" dirty="0">
+                <a:solidFill>
+                  <a:srgbClr val="000000"/>
+                </a:solidFill>
+                <a:effectLst/>
+                <a:latin typeface="Monaco"/>
+              </a:rPr>
+              <a:t>apt-get</a:t>
+            </a:r>
+            <a:r>
+              <a:rPr lang="en-US" b="0" i="0" dirty="0">
+                <a:solidFill>
+                  <a:srgbClr val="000000"/>
+                </a:solidFill>
+                <a:effectLst/>
+                <a:latin typeface="inherit"/>
+              </a:rPr>
+              <a:t> </a:t>
+            </a:r>
+            <a:r>
+              <a:rPr lang="en-US" b="0" i="0" dirty="0">
+                <a:solidFill>
+                  <a:srgbClr val="000000"/>
+                </a:solidFill>
+                <a:effectLst/>
+                <a:latin typeface="Monaco"/>
+              </a:rPr>
+              <a:t>install</a:t>
+            </a:r>
+            <a:r>
+              <a:rPr lang="en-US" b="0" i="0" dirty="0">
+                <a:solidFill>
+                  <a:srgbClr val="000000"/>
+                </a:solidFill>
+                <a:effectLst/>
+                <a:latin typeface="inherit"/>
+              </a:rPr>
+              <a:t> </a:t>
+            </a:r>
+            <a:r>
+              <a:rPr lang="en-US" b="0" i="0" dirty="0" err="1">
+                <a:solidFill>
+                  <a:srgbClr val="000000"/>
+                </a:solidFill>
+                <a:effectLst/>
+                <a:latin typeface="Monaco"/>
+              </a:rPr>
+              <a:t>nginx</a:t>
+            </a:r>
+            <a:r>
+              <a:rPr lang="en-US" b="0" i="0" dirty="0">
+                <a:solidFill>
+                  <a:srgbClr val="000000"/>
+                </a:solidFill>
+                <a:effectLst/>
+                <a:latin typeface="inherit"/>
+              </a:rPr>
+              <a:t> </a:t>
+            </a:r>
+            <a:r>
+              <a:rPr lang="en-US" b="0" i="0" dirty="0">
+                <a:solidFill>
+                  <a:srgbClr val="000000"/>
+                </a:solidFill>
+                <a:effectLst/>
+                <a:latin typeface="Monaco"/>
+              </a:rPr>
+              <a:t>-y</a:t>
+            </a:r>
+          </a:p>
+          <a:p>
+            <a:pPr marL="0" indent="0" algn="l">
+              <a:buNone/>
+            </a:pPr>
+            <a:r>
+              <a:rPr lang="en-US" b="0" i="0" dirty="0">
+                <a:solidFill>
+                  <a:srgbClr val="000000"/>
+                </a:solidFill>
+                <a:effectLst/>
+                <a:latin typeface="Monaco"/>
+              </a:rPr>
+              <a:t>EXPOSE</a:t>
+            </a:r>
+            <a:r>
+              <a:rPr lang="en-US" b="0" i="0" dirty="0">
+                <a:solidFill>
+                  <a:srgbClr val="000000"/>
+                </a:solidFill>
+                <a:effectLst/>
+                <a:latin typeface="inherit"/>
+              </a:rPr>
+              <a:t> </a:t>
+            </a:r>
+            <a:r>
+              <a:rPr lang="en-US" b="0" i="0" dirty="0">
+                <a:solidFill>
+                  <a:srgbClr val="000000"/>
+                </a:solidFill>
+                <a:effectLst/>
+                <a:latin typeface="Monaco"/>
+              </a:rPr>
+              <a:t>80</a:t>
+            </a:r>
+          </a:p>
+          <a:p>
+            <a:pPr marL="0" indent="0" algn="l">
+              <a:buNone/>
+            </a:pPr>
+            <a:r>
+              <a:rPr lang="en-US" b="0" i="0" dirty="0">
+                <a:solidFill>
+                  <a:srgbClr val="000000"/>
+                </a:solidFill>
+                <a:effectLst/>
+                <a:latin typeface="Monaco"/>
+              </a:rPr>
+              <a:t>CMD</a:t>
+            </a:r>
+            <a:r>
+              <a:rPr lang="en-US" b="0" i="0" dirty="0">
+                <a:solidFill>
+                  <a:srgbClr val="000000"/>
+                </a:solidFill>
+                <a:effectLst/>
+                <a:latin typeface="inherit"/>
+              </a:rPr>
+              <a:t> ["</a:t>
+            </a:r>
+            <a:r>
+              <a:rPr lang="en-US" b="0" i="0" dirty="0" err="1">
+                <a:solidFill>
+                  <a:srgbClr val="000000"/>
+                </a:solidFill>
+                <a:effectLst/>
+                <a:latin typeface="inherit"/>
+              </a:rPr>
+              <a:t>nginx</a:t>
+            </a:r>
+            <a:r>
+              <a:rPr lang="en-US" b="0" i="0" dirty="0">
+                <a:solidFill>
+                  <a:srgbClr val="000000"/>
+                </a:solidFill>
+                <a:effectLst/>
+                <a:latin typeface="inherit"/>
+              </a:rPr>
+              <a:t>", "-g", "daemon off;"]</a:t>
+            </a:r>
+            <a:endParaRPr lang="en-US" b="0" i="0" dirty="0">
+              <a:solidFill>
+                <a:srgbClr val="000000"/>
+              </a:solidFill>
+              <a:effectLst/>
+              <a:latin typeface="Monaco"/>
+            </a:endParaRPr>
+          </a:p>
+          <a:p>
+            <a:endParaRPr lang="en-US" dirty="0"/>
+          </a:p>
+        </p:txBody>
+      </p:sp>
+    </p:spTree>
+    <p:extLst>
+      <p:ext uri="{BB962C8B-B14F-4D97-AF65-F5344CB8AC3E}">
+        <p14:creationId xmlns:p14="http://schemas.microsoft.com/office/powerpoint/2010/main" val="175074299"/>
+      </p:ext>
+    </p:extLst>
+  </p:cSld>
+  <p:clrMapOvr>
+    <a:masterClrMapping/>
+  </p:clrMapOvr>
+</p:sld>
+</file>
+
+<file path=ppt/slides/slide28.xml><?xml version="1.0" encoding="utf-8"?>
+<p:sld xmlns:a="http://schemas.openxmlformats.org/drawingml/2006/main" xmlns:r="http://schemas.openxmlformats.org/officeDocument/2006/relationships" xmlns:p="http://schemas.openxmlformats.org/presentationml/2006/main">
+  <p:cSld>
+    <p:spTree>
+      <p:nvGrpSpPr>
+        <p:cNvPr id="1" name=""/>
+        <p:cNvGrpSpPr/>
+        <p:nvPr/>
+      </p:nvGrpSpPr>
+      <p:grpSpPr>
+        <a:xfrm>
+          <a:off x="0" y="0"/>
+          <a:ext cx="0" cy="0"/>
+          <a:chOff x="0" y="0"/>
+          <a:chExt cx="0" cy="0"/>
+        </a:xfrm>
+      </p:grpSpPr>
+      <p:sp>
+        <p:nvSpPr>
+          <p:cNvPr id="2" name="Title 1">
+            <a:extLst>
+              <a:ext uri="{FF2B5EF4-FFF2-40B4-BE49-F238E27FC236}">
+                <a16:creationId xmlns:a16="http://schemas.microsoft.com/office/drawing/2014/main" id="{32F70927-EAEE-47C1-8A59-5B4E263E5428}"/>
+              </a:ext>
+            </a:extLst>
+          </p:cNvPr>
+          <p:cNvSpPr>
+            <a:spLocks noGrp="1"/>
+          </p:cNvSpPr>
+          <p:nvPr>
+            <p:ph type="title"/>
+          </p:nvPr>
+        </p:nvSpPr>
+        <p:spPr>
+          <a:xfrm>
+            <a:off x="838200" y="365125"/>
+            <a:ext cx="10515600" cy="675399"/>
+          </a:xfrm>
+        </p:spPr>
+        <p:txBody>
+          <a:bodyPr>
+            <a:normAutofit fontScale="90000"/>
+          </a:bodyPr>
+          <a:lstStyle/>
+          <a:p>
+            <a:r>
+              <a:rPr lang="en-US" dirty="0" err="1"/>
+              <a:t>Dockerfile</a:t>
+            </a:r>
+            <a:endParaRPr lang="en-US" dirty="0"/>
+          </a:p>
+        </p:txBody>
+      </p:sp>
+      <p:sp>
+        <p:nvSpPr>
+          <p:cNvPr id="3" name="Content Placeholder 2">
+            <a:extLst>
+              <a:ext uri="{FF2B5EF4-FFF2-40B4-BE49-F238E27FC236}">
+                <a16:creationId xmlns:a16="http://schemas.microsoft.com/office/drawing/2014/main" id="{DD9E5BDE-983C-49F7-BAC8-E798FAFE778A}"/>
+              </a:ext>
+            </a:extLst>
+          </p:cNvPr>
+          <p:cNvSpPr>
+            <a:spLocks noGrp="1"/>
+          </p:cNvSpPr>
+          <p:nvPr>
+            <p:ph idx="1"/>
+          </p:nvPr>
+        </p:nvSpPr>
+        <p:spPr>
+          <a:xfrm>
+            <a:off x="838200" y="1040524"/>
+            <a:ext cx="10515600" cy="5136439"/>
+          </a:xfrm>
+        </p:spPr>
+        <p:txBody>
+          <a:bodyPr>
+            <a:normAutofit fontScale="92500" lnSpcReduction="10000"/>
+          </a:bodyPr>
+          <a:lstStyle/>
+          <a:p>
+            <a:r>
+              <a:rPr lang="en-US" b="1" i="0" dirty="0">
+                <a:solidFill>
+                  <a:srgbClr val="0A2540"/>
+                </a:solidFill>
+                <a:effectLst/>
+                <a:latin typeface="Open Sans" panose="020B0606030504020204" pitchFamily="34" charset="0"/>
+              </a:rPr>
+              <a:t>ADD</a:t>
+            </a:r>
+            <a:r>
+              <a:rPr lang="en-US" b="0" i="0" dirty="0">
+                <a:solidFill>
+                  <a:srgbClr val="0A2540"/>
+                </a:solidFill>
+                <a:effectLst/>
+                <a:latin typeface="Open Sans" panose="020B0606030504020204" pitchFamily="34" charset="0"/>
+              </a:rPr>
+              <a:t> – Defines files to copy from the Host file system onto the Container</a:t>
+            </a:r>
+          </a:p>
+          <a:p>
+            <a:pPr marL="742950" lvl="1" indent="-285750" algn="l">
+              <a:buFont typeface="Arial" panose="020B0604020202020204" pitchFamily="34" charset="0"/>
+              <a:buChar char="•"/>
+            </a:pPr>
+            <a:r>
+              <a:rPr lang="en-US" b="0" i="0" dirty="0">
+                <a:solidFill>
+                  <a:srgbClr val="000000"/>
+                </a:solidFill>
+                <a:effectLst/>
+                <a:latin typeface="Monaco"/>
+              </a:rPr>
+              <a:t>ADD</a:t>
+            </a:r>
+            <a:r>
+              <a:rPr lang="en-US" b="0" i="0" dirty="0">
+                <a:solidFill>
+                  <a:srgbClr val="000000"/>
+                </a:solidFill>
+                <a:effectLst/>
+                <a:latin typeface="inherit"/>
+              </a:rPr>
+              <a:t> .</a:t>
+            </a:r>
+            <a:r>
+              <a:rPr lang="en-US" b="0" i="0" dirty="0">
+                <a:solidFill>
+                  <a:srgbClr val="000000"/>
+                </a:solidFill>
+                <a:effectLst/>
+                <a:latin typeface="Monaco"/>
+              </a:rPr>
+              <a:t>/local/</a:t>
+            </a:r>
+            <a:r>
+              <a:rPr lang="en-US" b="0" i="0" dirty="0" err="1">
+                <a:solidFill>
+                  <a:srgbClr val="000000"/>
+                </a:solidFill>
+                <a:effectLst/>
+                <a:latin typeface="Monaco"/>
+              </a:rPr>
+              <a:t>config</a:t>
+            </a:r>
+            <a:r>
+              <a:rPr lang="en-US" b="0" i="0" dirty="0" err="1">
+                <a:solidFill>
+                  <a:srgbClr val="000000"/>
+                </a:solidFill>
+                <a:effectLst/>
+                <a:latin typeface="inherit"/>
+              </a:rPr>
+              <a:t>.</a:t>
+            </a:r>
+            <a:r>
+              <a:rPr lang="en-US" b="0" i="0" dirty="0" err="1">
+                <a:solidFill>
+                  <a:srgbClr val="000000"/>
+                </a:solidFill>
+                <a:effectLst/>
+                <a:latin typeface="Monaco"/>
+              </a:rPr>
+              <a:t>file</a:t>
+            </a:r>
+            <a:r>
+              <a:rPr lang="en-US" b="0" i="0" dirty="0">
+                <a:solidFill>
+                  <a:srgbClr val="000000"/>
+                </a:solidFill>
+                <a:effectLst/>
+                <a:latin typeface="inherit"/>
+              </a:rPr>
+              <a:t> </a:t>
+            </a:r>
+            <a:r>
+              <a:rPr lang="en-US" b="0" i="0" dirty="0">
+                <a:solidFill>
+                  <a:srgbClr val="000000"/>
+                </a:solidFill>
+                <a:effectLst/>
+                <a:latin typeface="Monaco"/>
+              </a:rPr>
+              <a:t>/</a:t>
+            </a:r>
+            <a:r>
+              <a:rPr lang="en-US" b="0" i="0" dirty="0" err="1">
+                <a:solidFill>
+                  <a:srgbClr val="000000"/>
+                </a:solidFill>
+                <a:effectLst/>
+                <a:latin typeface="Monaco"/>
+              </a:rPr>
+              <a:t>etc</a:t>
+            </a:r>
+            <a:r>
+              <a:rPr lang="en-US" b="0" i="0" dirty="0">
+                <a:solidFill>
+                  <a:srgbClr val="000000"/>
+                </a:solidFill>
+                <a:effectLst/>
+                <a:latin typeface="Monaco"/>
+              </a:rPr>
+              <a:t>/service/</a:t>
+            </a:r>
+            <a:r>
+              <a:rPr lang="en-US" b="0" i="0" dirty="0" err="1">
+                <a:solidFill>
+                  <a:srgbClr val="000000"/>
+                </a:solidFill>
+                <a:effectLst/>
+                <a:latin typeface="Monaco"/>
+              </a:rPr>
+              <a:t>config</a:t>
+            </a:r>
+            <a:r>
+              <a:rPr lang="en-US" b="0" i="0" dirty="0" err="1">
+                <a:solidFill>
+                  <a:srgbClr val="000000"/>
+                </a:solidFill>
+                <a:effectLst/>
+                <a:latin typeface="inherit"/>
+              </a:rPr>
+              <a:t>.</a:t>
+            </a:r>
+            <a:r>
+              <a:rPr lang="en-US" b="0" i="0" dirty="0" err="1">
+                <a:solidFill>
+                  <a:srgbClr val="000000"/>
+                </a:solidFill>
+                <a:effectLst/>
+                <a:latin typeface="Monaco"/>
+              </a:rPr>
+              <a:t>file</a:t>
+            </a:r>
+            <a:endParaRPr lang="en-US" b="0" i="0" dirty="0">
+              <a:solidFill>
+                <a:srgbClr val="0A2540"/>
+              </a:solidFill>
+              <a:effectLst/>
+              <a:latin typeface="Open Sans" panose="020B0606030504020204" pitchFamily="34" charset="0"/>
+            </a:endParaRPr>
+          </a:p>
+          <a:p>
+            <a:r>
+              <a:rPr lang="en-US" b="1" i="0" dirty="0">
+                <a:solidFill>
+                  <a:srgbClr val="0A2540"/>
+                </a:solidFill>
+                <a:effectLst/>
+                <a:latin typeface="Open Sans" panose="020B0606030504020204" pitchFamily="34" charset="0"/>
+              </a:rPr>
+              <a:t>CMD</a:t>
+            </a:r>
+            <a:r>
+              <a:rPr lang="en-US" b="0" i="0" dirty="0">
+                <a:solidFill>
+                  <a:srgbClr val="0A2540"/>
+                </a:solidFill>
+                <a:effectLst/>
+                <a:latin typeface="Open Sans" panose="020B0606030504020204" pitchFamily="34" charset="0"/>
+              </a:rPr>
+              <a:t> – This is the command that will run when the Container starts</a:t>
+            </a:r>
+          </a:p>
+          <a:p>
+            <a:pPr lvl="1"/>
+            <a:r>
+              <a:rPr lang="en-US" b="0" i="0" dirty="0">
+                <a:solidFill>
+                  <a:srgbClr val="000000"/>
+                </a:solidFill>
+                <a:effectLst/>
+                <a:latin typeface="Monaco"/>
+              </a:rPr>
+              <a:t>CMD</a:t>
+            </a:r>
+            <a:r>
+              <a:rPr lang="en-US" b="0" i="0" dirty="0">
+                <a:solidFill>
+                  <a:srgbClr val="000000"/>
+                </a:solidFill>
+                <a:effectLst/>
+                <a:latin typeface="inherit"/>
+              </a:rPr>
+              <a:t> ["</a:t>
+            </a:r>
+            <a:r>
+              <a:rPr lang="en-US" b="0" i="0" dirty="0" err="1">
+                <a:solidFill>
+                  <a:srgbClr val="000000"/>
+                </a:solidFill>
+                <a:effectLst/>
+                <a:latin typeface="inherit"/>
+              </a:rPr>
+              <a:t>nginx</a:t>
+            </a:r>
+            <a:r>
+              <a:rPr lang="en-US" b="0" i="0" dirty="0">
+                <a:solidFill>
+                  <a:srgbClr val="000000"/>
+                </a:solidFill>
+                <a:effectLst/>
+                <a:latin typeface="inherit"/>
+              </a:rPr>
+              <a:t>", "-g", "daemon off;"]</a:t>
+            </a:r>
+            <a:endParaRPr lang="en-US" b="0" i="0" dirty="0">
+              <a:solidFill>
+                <a:srgbClr val="0A2540"/>
+              </a:solidFill>
+              <a:effectLst/>
+              <a:latin typeface="Open Sans" panose="020B0606030504020204" pitchFamily="34" charset="0"/>
+            </a:endParaRPr>
+          </a:p>
+          <a:p>
+            <a:r>
+              <a:rPr lang="en-US" b="1" i="0" dirty="0">
+                <a:solidFill>
+                  <a:srgbClr val="0A2540"/>
+                </a:solidFill>
+                <a:effectLst/>
+                <a:latin typeface="Open Sans" panose="020B0606030504020204" pitchFamily="34" charset="0"/>
+              </a:rPr>
+              <a:t>ENTRYPOINT</a:t>
+            </a:r>
+            <a:r>
+              <a:rPr lang="en-US" b="0" i="0" dirty="0">
+                <a:solidFill>
+                  <a:srgbClr val="0A2540"/>
+                </a:solidFill>
+                <a:effectLst/>
+                <a:latin typeface="Open Sans" panose="020B0606030504020204" pitchFamily="34" charset="0"/>
+              </a:rPr>
+              <a:t> – Sets the default application used every time a Container is created from the Image. If used in conjunction with CMD, you can remove the application and just define the arguments there</a:t>
+            </a:r>
+            <a:endParaRPr lang="en-US" dirty="0">
+              <a:solidFill>
+                <a:srgbClr val="0A2540"/>
+              </a:solidFill>
+              <a:latin typeface="Open Sans" panose="020B0606030504020204" pitchFamily="34" charset="0"/>
+            </a:endParaRPr>
+          </a:p>
+          <a:p>
+            <a:pPr lvl="1"/>
+            <a:r>
+              <a:rPr lang="en-US" b="0" i="0" dirty="0">
+                <a:solidFill>
+                  <a:srgbClr val="000000"/>
+                </a:solidFill>
+                <a:effectLst/>
+                <a:latin typeface="Monaco"/>
+              </a:rPr>
+              <a:t>CMD</a:t>
+            </a:r>
+            <a:r>
+              <a:rPr lang="en-US" b="0" i="0" dirty="0">
+                <a:solidFill>
+                  <a:srgbClr val="000000"/>
+                </a:solidFill>
+                <a:effectLst/>
+                <a:latin typeface="inherit"/>
+              </a:rPr>
+              <a:t> </a:t>
+            </a:r>
+            <a:r>
+              <a:rPr lang="en-US" b="0" i="0" dirty="0">
+                <a:solidFill>
+                  <a:srgbClr val="000000"/>
+                </a:solidFill>
+                <a:effectLst/>
+                <a:latin typeface="Monaco"/>
+              </a:rPr>
+              <a:t>Hello</a:t>
+            </a:r>
+            <a:r>
+              <a:rPr lang="en-US" b="0" i="0" dirty="0">
+                <a:solidFill>
+                  <a:srgbClr val="000000"/>
+                </a:solidFill>
+                <a:effectLst/>
+                <a:latin typeface="inherit"/>
+              </a:rPr>
+              <a:t> </a:t>
+            </a:r>
+            <a:r>
+              <a:rPr lang="en-US" b="0" i="0" dirty="0">
+                <a:solidFill>
+                  <a:srgbClr val="000000"/>
+                </a:solidFill>
+                <a:effectLst/>
+                <a:latin typeface="Monaco"/>
+              </a:rPr>
+              <a:t>World</a:t>
+            </a:r>
+            <a:r>
+              <a:rPr lang="en-US" b="0" i="0" dirty="0">
+                <a:solidFill>
+                  <a:srgbClr val="000000"/>
+                </a:solidFill>
+                <a:effectLst/>
+                <a:latin typeface="inherit"/>
+              </a:rPr>
+              <a:t>!</a:t>
+            </a:r>
+            <a:endParaRPr lang="en-US" b="0" i="0" dirty="0">
+              <a:solidFill>
+                <a:srgbClr val="0A2540"/>
+              </a:solidFill>
+              <a:effectLst/>
+              <a:latin typeface="Open Sans" panose="020B0606030504020204" pitchFamily="34" charset="0"/>
+            </a:endParaRPr>
+          </a:p>
+          <a:p>
+            <a:pPr lvl="1"/>
+            <a:r>
+              <a:rPr lang="en-US" b="0" i="0" dirty="0">
+                <a:solidFill>
+                  <a:srgbClr val="000000"/>
+                </a:solidFill>
+                <a:effectLst/>
+                <a:latin typeface="Monaco"/>
+              </a:rPr>
+              <a:t>ENTRYPOINT</a:t>
+            </a:r>
+            <a:r>
+              <a:rPr lang="en-US" b="0" i="0" dirty="0">
+                <a:solidFill>
+                  <a:srgbClr val="000000"/>
+                </a:solidFill>
+                <a:effectLst/>
+                <a:latin typeface="inherit"/>
+              </a:rPr>
+              <a:t> </a:t>
+            </a:r>
+            <a:r>
+              <a:rPr lang="en-US" b="0" i="0" dirty="0">
+                <a:solidFill>
+                  <a:srgbClr val="000000"/>
+                </a:solidFill>
+                <a:effectLst/>
+                <a:latin typeface="Monaco"/>
+              </a:rPr>
+              <a:t>echo</a:t>
+            </a:r>
+            <a:endParaRPr lang="en-US" b="0" i="0" dirty="0">
+              <a:solidFill>
+                <a:srgbClr val="0A2540"/>
+              </a:solidFill>
+              <a:effectLst/>
+              <a:latin typeface="Open Sans" panose="020B0606030504020204" pitchFamily="34" charset="0"/>
+            </a:endParaRPr>
+          </a:p>
+          <a:p>
+            <a:pPr marL="457200" lvl="1" indent="0">
+              <a:buNone/>
+            </a:pPr>
+            <a:br>
+              <a:rPr lang="en-US" dirty="0"/>
+            </a:br>
+            <a:endParaRPr lang="en-US" dirty="0"/>
+          </a:p>
+        </p:txBody>
+      </p:sp>
+    </p:spTree>
+    <p:extLst>
+      <p:ext uri="{BB962C8B-B14F-4D97-AF65-F5344CB8AC3E}">
+        <p14:creationId xmlns:p14="http://schemas.microsoft.com/office/powerpoint/2010/main" val="4047834181"/>
+      </p:ext>
+    </p:extLst>
+  </p:cSld>
+  <p:clrMapOvr>
+    <a:masterClrMapping/>
+  </p:clrMapOvr>
+</p:sld>
+</file>
+
+<file path=ppt/slides/slide29.xml><?xml version="1.0" encoding="utf-8"?>
+<p:sld xmlns:a="http://schemas.openxmlformats.org/drawingml/2006/main" xmlns:r="http://schemas.openxmlformats.org/officeDocument/2006/relationships" xmlns:p="http://schemas.openxmlformats.org/presentationml/2006/main">
+  <p:cSld>
+    <p:spTree>
+      <p:nvGrpSpPr>
+        <p:cNvPr id="1" name=""/>
+        <p:cNvGrpSpPr/>
+        <p:nvPr/>
+      </p:nvGrpSpPr>
+      <p:grpSpPr>
+        <a:xfrm>
+          <a:off x="0" y="0"/>
+          <a:ext cx="0" cy="0"/>
+          <a:chOff x="0" y="0"/>
+          <a:chExt cx="0" cy="0"/>
+        </a:xfrm>
+      </p:grpSpPr>
+      <p:sp>
+        <p:nvSpPr>
+          <p:cNvPr id="2" name="Title 1">
+            <a:extLst>
+              <a:ext uri="{FF2B5EF4-FFF2-40B4-BE49-F238E27FC236}">
+                <a16:creationId xmlns:a16="http://schemas.microsoft.com/office/drawing/2014/main" id="{7D8428B7-89FC-4BFB-8BAC-A8042A364151}"/>
+              </a:ext>
+            </a:extLst>
+          </p:cNvPr>
+          <p:cNvSpPr>
+            <a:spLocks noGrp="1"/>
+          </p:cNvSpPr>
+          <p:nvPr>
+            <p:ph type="title"/>
+          </p:nvPr>
+        </p:nvSpPr>
+        <p:spPr>
+          <a:xfrm>
+            <a:off x="838200" y="365126"/>
+            <a:ext cx="10515600" cy="545334"/>
+          </a:xfrm>
+        </p:spPr>
+        <p:txBody>
+          <a:bodyPr>
+            <a:normAutofit fontScale="90000"/>
+          </a:bodyPr>
+          <a:lstStyle/>
+          <a:p>
+            <a:r>
+              <a:rPr lang="en-US" dirty="0" err="1"/>
+              <a:t>Dockerfile</a:t>
+            </a:r>
+            <a:endParaRPr lang="en-US" dirty="0"/>
+          </a:p>
+        </p:txBody>
+      </p:sp>
+      <p:sp>
+        <p:nvSpPr>
+          <p:cNvPr id="3" name="Content Placeholder 2">
+            <a:extLst>
+              <a:ext uri="{FF2B5EF4-FFF2-40B4-BE49-F238E27FC236}">
+                <a16:creationId xmlns:a16="http://schemas.microsoft.com/office/drawing/2014/main" id="{5301F59D-53CE-4277-A870-CD148C20B6F0}"/>
+              </a:ext>
+            </a:extLst>
+          </p:cNvPr>
+          <p:cNvSpPr>
+            <a:spLocks noGrp="1"/>
+          </p:cNvSpPr>
+          <p:nvPr>
+            <p:ph idx="1"/>
+          </p:nvPr>
+        </p:nvSpPr>
+        <p:spPr>
+          <a:xfrm>
+            <a:off x="838200" y="953814"/>
+            <a:ext cx="10515600" cy="5223149"/>
+          </a:xfrm>
+        </p:spPr>
+        <p:txBody>
+          <a:bodyPr/>
+          <a:lstStyle/>
+          <a:p>
+            <a:pPr algn="l">
+              <a:buFont typeface="Arial" panose="020B0604020202020204" pitchFamily="34" charset="0"/>
+              <a:buChar char="•"/>
+            </a:pPr>
+            <a:r>
+              <a:rPr lang="en-US" b="1" i="0" dirty="0">
+                <a:solidFill>
+                  <a:srgbClr val="0A2540"/>
+                </a:solidFill>
+                <a:effectLst/>
+                <a:latin typeface="Open Sans" panose="020B0606030504020204" pitchFamily="34" charset="0"/>
+              </a:rPr>
+              <a:t>ENV</a:t>
+            </a:r>
+            <a:r>
+              <a:rPr lang="en-US" b="0" i="0" dirty="0">
+                <a:solidFill>
+                  <a:srgbClr val="0A2540"/>
+                </a:solidFill>
+                <a:effectLst/>
+                <a:latin typeface="Open Sans" panose="020B0606030504020204" pitchFamily="34" charset="0"/>
+              </a:rPr>
+              <a:t> – Set/modify the environment variables within Containers created from the Image.</a:t>
+            </a:r>
+          </a:p>
+          <a:p>
+            <a:pPr marL="742950" lvl="1" indent="-285750" algn="l">
+              <a:buFont typeface="Arial" panose="020B0604020202020204" pitchFamily="34" charset="0"/>
+              <a:buChar char="•"/>
+            </a:pPr>
+            <a:r>
+              <a:rPr lang="en-US" b="0" i="0" dirty="0">
+                <a:solidFill>
+                  <a:srgbClr val="000000"/>
+                </a:solidFill>
+                <a:effectLst/>
+                <a:latin typeface="Monaco"/>
+              </a:rPr>
+              <a:t>ENV</a:t>
+            </a:r>
+            <a:r>
+              <a:rPr lang="en-US" b="0" i="0" dirty="0">
+                <a:solidFill>
+                  <a:srgbClr val="000000"/>
+                </a:solidFill>
+                <a:effectLst/>
+                <a:latin typeface="inherit"/>
+              </a:rPr>
+              <a:t> </a:t>
+            </a:r>
+            <a:r>
+              <a:rPr lang="en-US" b="0" i="0" dirty="0">
+                <a:solidFill>
+                  <a:srgbClr val="000000"/>
+                </a:solidFill>
+                <a:effectLst/>
+                <a:latin typeface="Monaco"/>
+              </a:rPr>
+              <a:t>VERSION</a:t>
+            </a:r>
+            <a:r>
+              <a:rPr lang="en-US" b="0" i="0" dirty="0">
+                <a:solidFill>
+                  <a:srgbClr val="000000"/>
+                </a:solidFill>
+                <a:effectLst/>
+                <a:latin typeface="inherit"/>
+              </a:rPr>
+              <a:t> </a:t>
+            </a:r>
+            <a:r>
+              <a:rPr lang="en-US" b="0" i="0" dirty="0">
+                <a:solidFill>
+                  <a:srgbClr val="000000"/>
+                </a:solidFill>
+                <a:effectLst/>
+                <a:latin typeface="Monaco"/>
+              </a:rPr>
+              <a:t>1</a:t>
+            </a:r>
+            <a:r>
+              <a:rPr lang="en-US" b="0" i="0" dirty="0">
+                <a:solidFill>
+                  <a:srgbClr val="000000"/>
+                </a:solidFill>
+                <a:effectLst/>
+                <a:latin typeface="inherit"/>
+              </a:rPr>
+              <a:t>.</a:t>
+            </a:r>
+            <a:r>
+              <a:rPr lang="en-US" b="0" i="0" dirty="0">
+                <a:solidFill>
+                  <a:srgbClr val="000000"/>
+                </a:solidFill>
+                <a:effectLst/>
+                <a:latin typeface="Monaco"/>
+              </a:rPr>
+              <a:t>0</a:t>
+            </a:r>
+            <a:endParaRPr lang="en-US" b="0" i="0" dirty="0">
+              <a:solidFill>
+                <a:srgbClr val="0A2540"/>
+              </a:solidFill>
+              <a:effectLst/>
+              <a:latin typeface="Open Sans" panose="020B0606030504020204" pitchFamily="34" charset="0"/>
+            </a:endParaRPr>
+          </a:p>
+          <a:p>
+            <a:pPr algn="l">
+              <a:buFont typeface="Arial" panose="020B0604020202020204" pitchFamily="34" charset="0"/>
+              <a:buChar char="•"/>
+            </a:pPr>
+            <a:r>
+              <a:rPr lang="en-US" b="1" i="0" dirty="0">
+                <a:solidFill>
+                  <a:srgbClr val="0A2540"/>
+                </a:solidFill>
+                <a:effectLst/>
+                <a:latin typeface="Open Sans" panose="020B0606030504020204" pitchFamily="34" charset="0"/>
+              </a:rPr>
+              <a:t>EXPOSE</a:t>
+            </a:r>
+            <a:r>
+              <a:rPr lang="en-US" b="0" i="0" dirty="0">
+                <a:solidFill>
+                  <a:srgbClr val="0A2540"/>
+                </a:solidFill>
+                <a:effectLst/>
+                <a:latin typeface="Open Sans" panose="020B0606030504020204" pitchFamily="34" charset="0"/>
+              </a:rPr>
+              <a:t> – Define which Container ports to expose</a:t>
+            </a:r>
+          </a:p>
+          <a:p>
+            <a:pPr marL="742950" lvl="1" indent="-285750" algn="l">
+              <a:buFont typeface="Arial" panose="020B0604020202020204" pitchFamily="34" charset="0"/>
+              <a:buChar char="•"/>
+            </a:pPr>
+            <a:r>
+              <a:rPr lang="en-US" b="0" i="0" dirty="0">
+                <a:solidFill>
+                  <a:srgbClr val="000000"/>
+                </a:solidFill>
+                <a:effectLst/>
+                <a:latin typeface="Monaco"/>
+              </a:rPr>
+              <a:t>EXPOSE</a:t>
+            </a:r>
+            <a:r>
+              <a:rPr lang="en-US" b="0" i="0" dirty="0">
+                <a:solidFill>
+                  <a:srgbClr val="000000"/>
+                </a:solidFill>
+                <a:effectLst/>
+                <a:latin typeface="inherit"/>
+              </a:rPr>
+              <a:t> </a:t>
+            </a:r>
+            <a:r>
+              <a:rPr lang="en-US" b="0" i="0" dirty="0">
+                <a:solidFill>
+                  <a:srgbClr val="000000"/>
+                </a:solidFill>
+                <a:effectLst/>
+                <a:latin typeface="Monaco"/>
+              </a:rPr>
+              <a:t>80</a:t>
+            </a:r>
+            <a:endParaRPr lang="en-US" b="0" i="0" dirty="0">
+              <a:solidFill>
+                <a:srgbClr val="0A2540"/>
+              </a:solidFill>
+              <a:effectLst/>
+              <a:latin typeface="Open Sans" panose="020B0606030504020204" pitchFamily="34" charset="0"/>
+            </a:endParaRPr>
+          </a:p>
+          <a:p>
+            <a:pPr algn="l">
+              <a:buFont typeface="Arial" panose="020B0604020202020204" pitchFamily="34" charset="0"/>
+              <a:buChar char="•"/>
+            </a:pPr>
+            <a:r>
+              <a:rPr lang="en-US" b="1" i="0" dirty="0">
+                <a:solidFill>
+                  <a:srgbClr val="0A2540"/>
+                </a:solidFill>
+                <a:effectLst/>
+                <a:latin typeface="Open Sans" panose="020B0606030504020204" pitchFamily="34" charset="0"/>
+              </a:rPr>
+              <a:t>FROM</a:t>
+            </a:r>
+            <a:r>
+              <a:rPr lang="en-US" b="0" i="0" dirty="0">
+                <a:solidFill>
+                  <a:srgbClr val="0A2540"/>
+                </a:solidFill>
+                <a:effectLst/>
+                <a:latin typeface="Open Sans" panose="020B0606030504020204" pitchFamily="34" charset="0"/>
+              </a:rPr>
+              <a:t> – Select the base image to build the new image on top of</a:t>
+            </a:r>
+          </a:p>
+          <a:p>
+            <a:pPr marL="742950" lvl="1" indent="-285750" algn="l">
+              <a:buFont typeface="Arial" panose="020B0604020202020204" pitchFamily="34" charset="0"/>
+              <a:buChar char="•"/>
+            </a:pPr>
+            <a:r>
+              <a:rPr lang="en-US" b="0" i="0" dirty="0">
+                <a:solidFill>
+                  <a:srgbClr val="000000"/>
+                </a:solidFill>
+                <a:effectLst/>
+                <a:latin typeface="Monaco"/>
+              </a:rPr>
+              <a:t>FROM</a:t>
+            </a:r>
+            <a:r>
+              <a:rPr lang="en-US" b="0" i="0" dirty="0">
+                <a:solidFill>
+                  <a:srgbClr val="000000"/>
+                </a:solidFill>
+                <a:effectLst/>
+                <a:latin typeface="inherit"/>
+              </a:rPr>
+              <a:t> </a:t>
+            </a:r>
+            <a:r>
+              <a:rPr lang="en-US" b="0" i="0" dirty="0" err="1">
+                <a:solidFill>
+                  <a:srgbClr val="000000"/>
+                </a:solidFill>
+                <a:effectLst/>
+                <a:latin typeface="Monaco"/>
+              </a:rPr>
+              <a:t>ubuntu</a:t>
+            </a:r>
+            <a:r>
+              <a:rPr lang="en-US" b="0" i="0" dirty="0" err="1">
+                <a:solidFill>
+                  <a:srgbClr val="000000"/>
+                </a:solidFill>
+                <a:effectLst/>
+                <a:latin typeface="inherit"/>
+              </a:rPr>
+              <a:t>:latest</a:t>
+            </a:r>
+            <a:endParaRPr lang="en-US" b="0" i="0" dirty="0">
+              <a:solidFill>
+                <a:srgbClr val="0A2540"/>
+              </a:solidFill>
+              <a:effectLst/>
+              <a:latin typeface="Open Sans" panose="020B0606030504020204" pitchFamily="34" charset="0"/>
+            </a:endParaRPr>
+          </a:p>
+          <a:p>
+            <a:pPr algn="l">
+              <a:buFont typeface="Arial" panose="020B0604020202020204" pitchFamily="34" charset="0"/>
+              <a:buChar char="•"/>
+            </a:pPr>
+            <a:r>
+              <a:rPr lang="en-US" b="1" i="0" dirty="0">
+                <a:solidFill>
+                  <a:srgbClr val="0A2540"/>
+                </a:solidFill>
+                <a:effectLst/>
+                <a:latin typeface="Open Sans" panose="020B0606030504020204" pitchFamily="34" charset="0"/>
+              </a:rPr>
+              <a:t>LABEL maintainer</a:t>
+            </a:r>
+            <a:r>
+              <a:rPr lang="en-US" b="0" i="0" dirty="0">
+                <a:solidFill>
+                  <a:srgbClr val="0A2540"/>
+                </a:solidFill>
+                <a:effectLst/>
+                <a:latin typeface="Open Sans" panose="020B0606030504020204" pitchFamily="34" charset="0"/>
+              </a:rPr>
+              <a:t> – Optional field to let you identify yourself as the maintainer of this image. This is just a label (it used to be a dedicated Docker directive).</a:t>
+            </a:r>
+          </a:p>
+          <a:p>
+            <a:pPr marL="742950" lvl="1" indent="-285750" algn="l">
+              <a:buFont typeface="Arial" panose="020B0604020202020204" pitchFamily="34" charset="0"/>
+              <a:buChar char="•"/>
+            </a:pPr>
+            <a:r>
+              <a:rPr lang="en-US" b="0" i="0" dirty="0">
+                <a:solidFill>
+                  <a:srgbClr val="000000"/>
+                </a:solidFill>
+                <a:effectLst/>
+                <a:latin typeface="Monaco"/>
+              </a:rPr>
+              <a:t>LABEL</a:t>
+            </a:r>
+            <a:r>
+              <a:rPr lang="en-US" b="0" i="0" dirty="0">
+                <a:solidFill>
+                  <a:srgbClr val="000000"/>
+                </a:solidFill>
+                <a:effectLst/>
+                <a:latin typeface="inherit"/>
+              </a:rPr>
+              <a:t> </a:t>
+            </a:r>
+            <a:r>
+              <a:rPr lang="en-US" b="0" i="0" dirty="0">
+                <a:solidFill>
+                  <a:srgbClr val="000000"/>
+                </a:solidFill>
+                <a:effectLst/>
+                <a:latin typeface="Monaco"/>
+              </a:rPr>
+              <a:t>maintainer=</a:t>
+            </a:r>
+            <a:r>
+              <a:rPr lang="en-US" b="0" i="0" dirty="0" err="1">
+                <a:solidFill>
+                  <a:srgbClr val="000000"/>
+                </a:solidFill>
+                <a:effectLst/>
+                <a:latin typeface="Monaco"/>
+              </a:rPr>
+              <a:t>someone</a:t>
+            </a:r>
+            <a:r>
+              <a:rPr lang="en-US" b="0" i="0" dirty="0" err="1">
+                <a:solidFill>
+                  <a:srgbClr val="000000"/>
+                </a:solidFill>
+                <a:effectLst/>
+                <a:latin typeface="inherit"/>
+              </a:rPr>
+              <a:t>@</a:t>
+            </a:r>
+            <a:r>
+              <a:rPr lang="en-US" b="0" i="0" dirty="0" err="1">
+                <a:solidFill>
+                  <a:srgbClr val="000000"/>
+                </a:solidFill>
+                <a:effectLst/>
+                <a:latin typeface="Monaco"/>
+              </a:rPr>
+              <a:t>xyz</a:t>
+            </a:r>
+            <a:r>
+              <a:rPr lang="en-US" b="0" i="0" dirty="0" err="1">
+                <a:solidFill>
+                  <a:srgbClr val="000000"/>
+                </a:solidFill>
+                <a:effectLst/>
+                <a:latin typeface="inherit"/>
+              </a:rPr>
+              <a:t>.</a:t>
+            </a:r>
+            <a:r>
+              <a:rPr lang="en-US" b="0" i="0" dirty="0" err="1">
+                <a:solidFill>
+                  <a:srgbClr val="000000"/>
+                </a:solidFill>
+                <a:effectLst/>
+                <a:latin typeface="Monaco"/>
+              </a:rPr>
+              <a:t>xyz</a:t>
+            </a:r>
+            <a:r>
+              <a:rPr lang="en-US" b="0" i="0" dirty="0">
+                <a:solidFill>
+                  <a:srgbClr val="000000"/>
+                </a:solidFill>
+                <a:effectLst/>
+                <a:latin typeface="Monaco"/>
+              </a:rPr>
+              <a:t>"</a:t>
+            </a:r>
+            <a:endParaRPr lang="en-US" b="0" i="0" dirty="0">
+              <a:solidFill>
+                <a:srgbClr val="0A2540"/>
+              </a:solidFill>
+              <a:effectLst/>
+              <a:latin typeface="Open Sans" panose="020B0606030504020204" pitchFamily="34" charset="0"/>
+            </a:endParaRPr>
+          </a:p>
+          <a:p>
+            <a:endParaRPr lang="en-US" dirty="0"/>
+          </a:p>
+        </p:txBody>
+      </p:sp>
+    </p:spTree>
+    <p:extLst>
+      <p:ext uri="{BB962C8B-B14F-4D97-AF65-F5344CB8AC3E}">
+        <p14:creationId xmlns:p14="http://schemas.microsoft.com/office/powerpoint/2010/main" val="1512484152"/>
+      </p:ext>
+    </p:extLst>
+  </p:cSld>
+  <p:clrMapOvr>
+    <a:masterClrMapping/>
+  </p:clrMapOvr>
+</p:sld>
+</file>
+
 <file path=ppt/slides/slide3.xml><?xml version="1.0" encoding="utf-8"?>
 <p:sld xmlns:a="http://schemas.openxmlformats.org/drawingml/2006/main" xmlns:r="http://schemas.openxmlformats.org/officeDocument/2006/relationships" xmlns:p="http://schemas.openxmlformats.org/presentationml/2006/main">
   <p:cSld>
@@ -6496,6 +7970,944 @@
     <p:extLst>
       <p:ext uri="{BB962C8B-B14F-4D97-AF65-F5344CB8AC3E}">
         <p14:creationId xmlns:p14="http://schemas.microsoft.com/office/powerpoint/2010/main" val="2398742456"/>
+      </p:ext>
+    </p:extLst>
+  </p:cSld>
+  <p:clrMapOvr>
+    <a:masterClrMapping/>
+  </p:clrMapOvr>
+</p:sld>
+</file>
+
+<file path=ppt/slides/slide30.xml><?xml version="1.0" encoding="utf-8"?>
+<p:sld xmlns:a="http://schemas.openxmlformats.org/drawingml/2006/main" xmlns:r="http://schemas.openxmlformats.org/officeDocument/2006/relationships" xmlns:p="http://schemas.openxmlformats.org/presentationml/2006/main">
+  <p:cSld>
+    <p:spTree>
+      <p:nvGrpSpPr>
+        <p:cNvPr id="1" name=""/>
+        <p:cNvGrpSpPr/>
+        <p:nvPr/>
+      </p:nvGrpSpPr>
+      <p:grpSpPr>
+        <a:xfrm>
+          <a:off x="0" y="0"/>
+          <a:ext cx="0" cy="0"/>
+          <a:chOff x="0" y="0"/>
+          <a:chExt cx="0" cy="0"/>
+        </a:xfrm>
+      </p:grpSpPr>
+      <p:sp>
+        <p:nvSpPr>
+          <p:cNvPr id="2" name="Title 1">
+            <a:extLst>
+              <a:ext uri="{FF2B5EF4-FFF2-40B4-BE49-F238E27FC236}">
+                <a16:creationId xmlns:a16="http://schemas.microsoft.com/office/drawing/2014/main" id="{8B15CCFA-5069-427B-8CD2-97F668F915E1}"/>
+              </a:ext>
+            </a:extLst>
+          </p:cNvPr>
+          <p:cNvSpPr>
+            <a:spLocks noGrp="1"/>
+          </p:cNvSpPr>
+          <p:nvPr>
+            <p:ph type="title"/>
+          </p:nvPr>
+        </p:nvSpPr>
+        <p:spPr>
+          <a:xfrm>
+            <a:off x="838200" y="365125"/>
+            <a:ext cx="10515600" cy="624161"/>
+          </a:xfrm>
+        </p:spPr>
+        <p:txBody>
+          <a:bodyPr>
+            <a:normAutofit fontScale="90000"/>
+          </a:bodyPr>
+          <a:lstStyle/>
+          <a:p>
+            <a:r>
+              <a:rPr lang="en-US" dirty="0" err="1"/>
+              <a:t>Dockerfile</a:t>
+            </a:r>
+            <a:endParaRPr lang="en-US" dirty="0"/>
+          </a:p>
+        </p:txBody>
+      </p:sp>
+      <p:sp>
+        <p:nvSpPr>
+          <p:cNvPr id="3" name="Content Placeholder 2">
+            <a:extLst>
+              <a:ext uri="{FF2B5EF4-FFF2-40B4-BE49-F238E27FC236}">
+                <a16:creationId xmlns:a16="http://schemas.microsoft.com/office/drawing/2014/main" id="{A13FC196-3E2D-44F7-BD71-6AC31D8F03F5}"/>
+              </a:ext>
+            </a:extLst>
+          </p:cNvPr>
+          <p:cNvSpPr>
+            <a:spLocks noGrp="1"/>
+          </p:cNvSpPr>
+          <p:nvPr>
+            <p:ph idx="1"/>
+          </p:nvPr>
+        </p:nvSpPr>
+        <p:spPr>
+          <a:xfrm>
+            <a:off x="838200" y="953814"/>
+            <a:ext cx="10515600" cy="5223149"/>
+          </a:xfrm>
+        </p:spPr>
+        <p:txBody>
+          <a:bodyPr/>
+          <a:lstStyle/>
+          <a:p>
+            <a:pPr algn="l">
+              <a:buFont typeface="Arial" panose="020B0604020202020204" pitchFamily="34" charset="0"/>
+              <a:buChar char="•"/>
+            </a:pPr>
+            <a:r>
+              <a:rPr lang="en-US" b="1" i="0" dirty="0">
+                <a:solidFill>
+                  <a:srgbClr val="0A2540"/>
+                </a:solidFill>
+                <a:effectLst/>
+                <a:latin typeface="Open Sans" panose="020B0606030504020204" pitchFamily="34" charset="0"/>
+              </a:rPr>
+              <a:t>RUN</a:t>
+            </a:r>
+            <a:r>
+              <a:rPr lang="en-US" b="0" i="0" dirty="0">
+                <a:solidFill>
+                  <a:srgbClr val="0A2540"/>
+                </a:solidFill>
+                <a:effectLst/>
+                <a:latin typeface="Open Sans" panose="020B0606030504020204" pitchFamily="34" charset="0"/>
+              </a:rPr>
+              <a:t> – Specify commands to make changes to your Image and subsequently the Containers started from this Image. This includes updating packages, installing software, adding users, creating an initial database, setting up certificates, etc. These are the commands you would run at the command line to install and configure your application. This is one of the most important </a:t>
+            </a:r>
+            <a:r>
+              <a:rPr lang="en-US" b="0" i="0" dirty="0" err="1">
+                <a:solidFill>
+                  <a:srgbClr val="0A2540"/>
+                </a:solidFill>
+                <a:effectLst/>
+                <a:latin typeface="Open Sans" panose="020B0606030504020204" pitchFamily="34" charset="0"/>
+              </a:rPr>
+              <a:t>dockerfile</a:t>
+            </a:r>
+            <a:r>
+              <a:rPr lang="en-US" b="0" i="0" dirty="0">
+                <a:solidFill>
+                  <a:srgbClr val="0A2540"/>
+                </a:solidFill>
+                <a:effectLst/>
+                <a:latin typeface="Open Sans" panose="020B0606030504020204" pitchFamily="34" charset="0"/>
+              </a:rPr>
+              <a:t> directives.</a:t>
+            </a:r>
+          </a:p>
+          <a:p>
+            <a:pPr marL="742950" lvl="1" indent="-285750" algn="l">
+              <a:buFont typeface="Arial" panose="020B0604020202020204" pitchFamily="34" charset="0"/>
+              <a:buChar char="•"/>
+            </a:pPr>
+            <a:r>
+              <a:rPr lang="en-US" b="0" i="0" dirty="0">
+                <a:solidFill>
+                  <a:srgbClr val="000000"/>
+                </a:solidFill>
+                <a:effectLst/>
+                <a:latin typeface="Monaco"/>
+              </a:rPr>
+              <a:t>RUN</a:t>
+            </a:r>
+            <a:r>
+              <a:rPr lang="en-US" b="0" i="0" dirty="0">
+                <a:solidFill>
+                  <a:srgbClr val="000000"/>
+                </a:solidFill>
+                <a:effectLst/>
+                <a:latin typeface="inherit"/>
+              </a:rPr>
+              <a:t> </a:t>
+            </a:r>
+            <a:r>
+              <a:rPr lang="en-US" b="0" i="0" dirty="0">
+                <a:solidFill>
+                  <a:srgbClr val="000000"/>
+                </a:solidFill>
+                <a:effectLst/>
+                <a:latin typeface="Monaco"/>
+              </a:rPr>
+              <a:t>apt-get</a:t>
+            </a:r>
+            <a:r>
+              <a:rPr lang="en-US" b="0" i="0" dirty="0">
+                <a:solidFill>
+                  <a:srgbClr val="000000"/>
+                </a:solidFill>
+                <a:effectLst/>
+                <a:latin typeface="inherit"/>
+              </a:rPr>
+              <a:t> </a:t>
+            </a:r>
+            <a:r>
+              <a:rPr lang="en-US" b="0" i="0" dirty="0">
+                <a:solidFill>
+                  <a:srgbClr val="000000"/>
+                </a:solidFill>
+                <a:effectLst/>
+                <a:latin typeface="Monaco"/>
+              </a:rPr>
+              <a:t>update</a:t>
+            </a:r>
+            <a:r>
+              <a:rPr lang="en-US" b="0" i="0" dirty="0">
+                <a:solidFill>
+                  <a:srgbClr val="000000"/>
+                </a:solidFill>
+                <a:effectLst/>
+                <a:latin typeface="inherit"/>
+              </a:rPr>
+              <a:t> &amp;&amp; </a:t>
+            </a:r>
+            <a:r>
+              <a:rPr lang="en-US" b="0" i="0" dirty="0">
+                <a:solidFill>
+                  <a:srgbClr val="000000"/>
+                </a:solidFill>
+                <a:effectLst/>
+                <a:latin typeface="Monaco"/>
+              </a:rPr>
+              <a:t>apt-get</a:t>
+            </a:r>
+            <a:r>
+              <a:rPr lang="en-US" b="0" i="0" dirty="0">
+                <a:solidFill>
+                  <a:srgbClr val="000000"/>
+                </a:solidFill>
+                <a:effectLst/>
+                <a:latin typeface="inherit"/>
+              </a:rPr>
+              <a:t> </a:t>
+            </a:r>
+            <a:r>
+              <a:rPr lang="en-US" b="0" i="0" dirty="0">
+                <a:solidFill>
+                  <a:srgbClr val="000000"/>
+                </a:solidFill>
+                <a:effectLst/>
+                <a:latin typeface="Monaco"/>
+              </a:rPr>
+              <a:t>upgrade</a:t>
+            </a:r>
+            <a:r>
+              <a:rPr lang="en-US" b="0" i="0" dirty="0">
+                <a:solidFill>
+                  <a:srgbClr val="000000"/>
+                </a:solidFill>
+                <a:effectLst/>
+                <a:latin typeface="inherit"/>
+              </a:rPr>
+              <a:t> </a:t>
+            </a:r>
+            <a:r>
+              <a:rPr lang="en-US" b="0" i="0" dirty="0">
+                <a:solidFill>
+                  <a:srgbClr val="000000"/>
+                </a:solidFill>
+                <a:effectLst/>
+                <a:latin typeface="Monaco"/>
+              </a:rPr>
+              <a:t>-y</a:t>
+            </a:r>
+            <a:r>
+              <a:rPr lang="en-US" b="0" i="0" dirty="0">
+                <a:solidFill>
+                  <a:srgbClr val="000000"/>
+                </a:solidFill>
+                <a:effectLst/>
+                <a:latin typeface="inherit"/>
+              </a:rPr>
+              <a:t> &amp;&amp; </a:t>
+            </a:r>
+            <a:r>
+              <a:rPr lang="en-US" b="0" i="0" dirty="0">
+                <a:solidFill>
+                  <a:srgbClr val="000000"/>
+                </a:solidFill>
+                <a:effectLst/>
+                <a:latin typeface="Monaco"/>
+              </a:rPr>
+              <a:t>apt-get</a:t>
+            </a:r>
+            <a:r>
+              <a:rPr lang="en-US" b="0" i="0" dirty="0">
+                <a:solidFill>
+                  <a:srgbClr val="000000"/>
+                </a:solidFill>
+                <a:effectLst/>
+                <a:latin typeface="inherit"/>
+              </a:rPr>
+              <a:t> </a:t>
+            </a:r>
+            <a:r>
+              <a:rPr lang="en-US" b="0" i="0" dirty="0">
+                <a:solidFill>
+                  <a:srgbClr val="000000"/>
+                </a:solidFill>
+                <a:effectLst/>
+                <a:latin typeface="Monaco"/>
+              </a:rPr>
+              <a:t>install</a:t>
+            </a:r>
+            <a:r>
+              <a:rPr lang="en-US" b="0" i="0" dirty="0">
+                <a:solidFill>
+                  <a:srgbClr val="000000"/>
+                </a:solidFill>
+                <a:effectLst/>
+                <a:latin typeface="inherit"/>
+              </a:rPr>
+              <a:t> </a:t>
+            </a:r>
+            <a:r>
+              <a:rPr lang="en-US" b="0" i="0" dirty="0">
+                <a:solidFill>
+                  <a:srgbClr val="000000"/>
+                </a:solidFill>
+                <a:effectLst/>
+                <a:latin typeface="Monaco"/>
+              </a:rPr>
+              <a:t>-y</a:t>
+            </a:r>
+            <a:r>
+              <a:rPr lang="en-US" b="0" i="0" dirty="0">
+                <a:solidFill>
+                  <a:srgbClr val="000000"/>
+                </a:solidFill>
+                <a:effectLst/>
+                <a:latin typeface="inherit"/>
+              </a:rPr>
+              <a:t> </a:t>
+            </a:r>
+            <a:r>
+              <a:rPr lang="en-US" b="0" i="0" dirty="0" err="1">
+                <a:solidFill>
+                  <a:srgbClr val="000000"/>
+                </a:solidFill>
+                <a:effectLst/>
+                <a:latin typeface="Monaco"/>
+              </a:rPr>
+              <a:t>nginx</a:t>
+            </a:r>
+            <a:r>
+              <a:rPr lang="en-US" b="0" i="0" dirty="0">
+                <a:solidFill>
+                  <a:srgbClr val="000000"/>
+                </a:solidFill>
+                <a:effectLst/>
+                <a:latin typeface="inherit"/>
+              </a:rPr>
+              <a:t> &amp;&amp; </a:t>
+            </a:r>
+            <a:r>
+              <a:rPr lang="en-US" b="0" i="0" dirty="0">
+                <a:solidFill>
+                  <a:srgbClr val="000000"/>
+                </a:solidFill>
+                <a:effectLst/>
+                <a:latin typeface="Monaco"/>
+              </a:rPr>
+              <a:t>rm</a:t>
+            </a:r>
+            <a:r>
+              <a:rPr lang="en-US" b="0" i="0" dirty="0">
+                <a:solidFill>
+                  <a:srgbClr val="000000"/>
+                </a:solidFill>
+                <a:effectLst/>
+                <a:latin typeface="inherit"/>
+              </a:rPr>
+              <a:t> </a:t>
+            </a:r>
+            <a:r>
+              <a:rPr lang="en-US" b="0" i="0" dirty="0">
+                <a:solidFill>
+                  <a:srgbClr val="000000"/>
+                </a:solidFill>
+                <a:effectLst/>
+                <a:latin typeface="Monaco"/>
+              </a:rPr>
+              <a:t>-rf</a:t>
+            </a:r>
+            <a:r>
+              <a:rPr lang="en-US" b="0" i="0" dirty="0">
+                <a:solidFill>
+                  <a:srgbClr val="000000"/>
+                </a:solidFill>
+                <a:effectLst/>
+                <a:latin typeface="inherit"/>
+              </a:rPr>
+              <a:t> </a:t>
+            </a:r>
+            <a:r>
+              <a:rPr lang="en-US" b="0" i="0" dirty="0">
+                <a:solidFill>
+                  <a:srgbClr val="000000"/>
+                </a:solidFill>
+                <a:effectLst/>
+                <a:latin typeface="Monaco"/>
+              </a:rPr>
+              <a:t>/var/lib/apt/lists/*</a:t>
+            </a:r>
+            <a:endParaRPr lang="en-US" b="0" i="0" dirty="0">
+              <a:solidFill>
+                <a:srgbClr val="0A2540"/>
+              </a:solidFill>
+              <a:effectLst/>
+              <a:latin typeface="Open Sans" panose="020B0606030504020204" pitchFamily="34" charset="0"/>
+            </a:endParaRPr>
+          </a:p>
+          <a:p>
+            <a:pPr algn="l">
+              <a:buFont typeface="Arial" panose="020B0604020202020204" pitchFamily="34" charset="0"/>
+              <a:buChar char="•"/>
+            </a:pPr>
+            <a:r>
+              <a:rPr lang="en-US" b="1" i="0" dirty="0">
+                <a:solidFill>
+                  <a:srgbClr val="0A2540"/>
+                </a:solidFill>
+                <a:effectLst/>
+                <a:latin typeface="Open Sans" panose="020B0606030504020204" pitchFamily="34" charset="0"/>
+              </a:rPr>
+              <a:t>USER</a:t>
+            </a:r>
+            <a:r>
+              <a:rPr lang="en-US" b="0" i="0" dirty="0">
+                <a:solidFill>
+                  <a:srgbClr val="0A2540"/>
+                </a:solidFill>
+                <a:effectLst/>
+                <a:latin typeface="Open Sans" panose="020B0606030504020204" pitchFamily="34" charset="0"/>
+              </a:rPr>
+              <a:t> – Define the default User all commands will be run as within any Container created from your Image. It can be either a UID or username</a:t>
+            </a:r>
+          </a:p>
+          <a:p>
+            <a:pPr marL="742950" lvl="1" indent="-285750" algn="l">
+              <a:buFont typeface="Arial" panose="020B0604020202020204" pitchFamily="34" charset="0"/>
+              <a:buChar char="•"/>
+            </a:pPr>
+            <a:r>
+              <a:rPr lang="en-US" b="0" i="0" dirty="0">
+                <a:solidFill>
+                  <a:srgbClr val="000000"/>
+                </a:solidFill>
+                <a:effectLst/>
+                <a:latin typeface="Monaco"/>
+              </a:rPr>
+              <a:t>USER</a:t>
+            </a:r>
+            <a:r>
+              <a:rPr lang="en-US" b="0" i="0" dirty="0">
+                <a:solidFill>
+                  <a:srgbClr val="000000"/>
+                </a:solidFill>
+                <a:effectLst/>
+                <a:latin typeface="inherit"/>
+              </a:rPr>
+              <a:t> </a:t>
+            </a:r>
+            <a:r>
+              <a:rPr lang="en-US" b="0" i="0" dirty="0">
+                <a:solidFill>
+                  <a:srgbClr val="000000"/>
+                </a:solidFill>
+                <a:effectLst/>
+                <a:latin typeface="Monaco"/>
+              </a:rPr>
+              <a:t>docker</a:t>
+            </a:r>
+            <a:endParaRPr lang="en-US" b="0" i="0" dirty="0">
+              <a:solidFill>
+                <a:srgbClr val="0A2540"/>
+              </a:solidFill>
+              <a:effectLst/>
+              <a:latin typeface="Open Sans" panose="020B0606030504020204" pitchFamily="34" charset="0"/>
+            </a:endParaRPr>
+          </a:p>
+          <a:p>
+            <a:endParaRPr lang="en-US" dirty="0"/>
+          </a:p>
+        </p:txBody>
+      </p:sp>
+    </p:spTree>
+    <p:extLst>
+      <p:ext uri="{BB962C8B-B14F-4D97-AF65-F5344CB8AC3E}">
+        <p14:creationId xmlns:p14="http://schemas.microsoft.com/office/powerpoint/2010/main" val="2135854041"/>
+      </p:ext>
+    </p:extLst>
+  </p:cSld>
+  <p:clrMapOvr>
+    <a:masterClrMapping/>
+  </p:clrMapOvr>
+</p:sld>
+</file>
+
+<file path=ppt/slides/slide31.xml><?xml version="1.0" encoding="utf-8"?>
+<p:sld xmlns:a="http://schemas.openxmlformats.org/drawingml/2006/main" xmlns:r="http://schemas.openxmlformats.org/officeDocument/2006/relationships" xmlns:p="http://schemas.openxmlformats.org/presentationml/2006/main">
+  <p:cSld>
+    <p:spTree>
+      <p:nvGrpSpPr>
+        <p:cNvPr id="1" name=""/>
+        <p:cNvGrpSpPr/>
+        <p:nvPr/>
+      </p:nvGrpSpPr>
+      <p:grpSpPr>
+        <a:xfrm>
+          <a:off x="0" y="0"/>
+          <a:ext cx="0" cy="0"/>
+          <a:chOff x="0" y="0"/>
+          <a:chExt cx="0" cy="0"/>
+        </a:xfrm>
+      </p:grpSpPr>
+      <p:sp>
+        <p:nvSpPr>
+          <p:cNvPr id="2" name="Title 1">
+            <a:extLst>
+              <a:ext uri="{FF2B5EF4-FFF2-40B4-BE49-F238E27FC236}">
+                <a16:creationId xmlns:a16="http://schemas.microsoft.com/office/drawing/2014/main" id="{652F61F9-9889-4D73-B15C-36A0ABBC9ACA}"/>
+              </a:ext>
+            </a:extLst>
+          </p:cNvPr>
+          <p:cNvSpPr>
+            <a:spLocks noGrp="1"/>
+          </p:cNvSpPr>
+          <p:nvPr>
+            <p:ph type="title"/>
+          </p:nvPr>
+        </p:nvSpPr>
+        <p:spPr>
+          <a:xfrm>
+            <a:off x="838200" y="365126"/>
+            <a:ext cx="10515600" cy="517744"/>
+          </a:xfrm>
+        </p:spPr>
+        <p:txBody>
+          <a:bodyPr>
+            <a:normAutofit fontScale="90000"/>
+          </a:bodyPr>
+          <a:lstStyle/>
+          <a:p>
+            <a:r>
+              <a:rPr lang="en-US" dirty="0" err="1"/>
+              <a:t>Dockerfile</a:t>
+            </a:r>
+            <a:endParaRPr lang="en-US" dirty="0"/>
+          </a:p>
+        </p:txBody>
+      </p:sp>
+      <p:sp>
+        <p:nvSpPr>
+          <p:cNvPr id="3" name="Content Placeholder 2">
+            <a:extLst>
+              <a:ext uri="{FF2B5EF4-FFF2-40B4-BE49-F238E27FC236}">
+                <a16:creationId xmlns:a16="http://schemas.microsoft.com/office/drawing/2014/main" id="{468E08F7-5EBC-4F71-BFE7-8996FB48D04A}"/>
+              </a:ext>
+            </a:extLst>
+          </p:cNvPr>
+          <p:cNvSpPr>
+            <a:spLocks noGrp="1"/>
+          </p:cNvSpPr>
+          <p:nvPr>
+            <p:ph idx="1"/>
+          </p:nvPr>
+        </p:nvSpPr>
+        <p:spPr>
+          <a:xfrm>
+            <a:off x="838200" y="934107"/>
+            <a:ext cx="10515600" cy="5242856"/>
+          </a:xfrm>
+        </p:spPr>
+        <p:txBody>
+          <a:bodyPr/>
+          <a:lstStyle/>
+          <a:p>
+            <a:pPr algn="l">
+              <a:buFont typeface="Arial" panose="020B0604020202020204" pitchFamily="34" charset="0"/>
+              <a:buChar char="•"/>
+            </a:pPr>
+            <a:r>
+              <a:rPr lang="en-US" b="1" i="0" dirty="0">
+                <a:solidFill>
+                  <a:srgbClr val="0A2540"/>
+                </a:solidFill>
+                <a:effectLst/>
+                <a:latin typeface="Open Sans" panose="020B0606030504020204" pitchFamily="34" charset="0"/>
+              </a:rPr>
+              <a:t>VOLUME</a:t>
+            </a:r>
+            <a:r>
+              <a:rPr lang="en-US" b="0" i="0" dirty="0">
+                <a:solidFill>
+                  <a:srgbClr val="0A2540"/>
+                </a:solidFill>
+                <a:effectLst/>
+                <a:latin typeface="Open Sans" panose="020B0606030504020204" pitchFamily="34" charset="0"/>
+              </a:rPr>
+              <a:t> – Creates a mount point within the Container linking it back to file systems accessible by the Docker Host. New Volumes get populated with the pre-existing contents of the specified location in the image. It is specially relevant to mention is that defining Volumes in a </a:t>
+            </a:r>
+            <a:r>
+              <a:rPr lang="en-US" b="0" i="0" dirty="0" err="1">
+                <a:solidFill>
+                  <a:srgbClr val="0A2540"/>
+                </a:solidFill>
+                <a:effectLst/>
+                <a:latin typeface="Open Sans" panose="020B0606030504020204" pitchFamily="34" charset="0"/>
+              </a:rPr>
+              <a:t>Dockerfile</a:t>
+            </a:r>
+            <a:r>
+              <a:rPr lang="en-US" b="0" i="0" dirty="0">
+                <a:solidFill>
+                  <a:srgbClr val="0A2540"/>
+                </a:solidFill>
+                <a:effectLst/>
+                <a:latin typeface="Open Sans" panose="020B0606030504020204" pitchFamily="34" charset="0"/>
+              </a:rPr>
+              <a:t> can lead to issues. Volumes should be managed with docker-compose or “docker run” commands. Volumes are optional. If your application does not have any state (and most web applications work like this) then you don’t need to use volumes.</a:t>
+            </a:r>
+          </a:p>
+          <a:p>
+            <a:pPr marL="742950" lvl="1" indent="-285750" algn="l">
+              <a:buFont typeface="Arial" panose="020B0604020202020204" pitchFamily="34" charset="0"/>
+              <a:buChar char="•"/>
+            </a:pPr>
+            <a:r>
+              <a:rPr lang="en-US" b="0" i="0" dirty="0">
+                <a:solidFill>
+                  <a:srgbClr val="000000"/>
+                </a:solidFill>
+                <a:effectLst/>
+                <a:latin typeface="Monaco"/>
+              </a:rPr>
+              <a:t>VOLUME</a:t>
+            </a:r>
+            <a:r>
+              <a:rPr lang="en-US" b="0" i="0" dirty="0">
+                <a:solidFill>
+                  <a:srgbClr val="000000"/>
+                </a:solidFill>
+                <a:effectLst/>
+                <a:latin typeface="inherit"/>
+              </a:rPr>
+              <a:t> </a:t>
+            </a:r>
+            <a:r>
+              <a:rPr lang="en-US" b="0" i="0" dirty="0">
+                <a:solidFill>
+                  <a:srgbClr val="000000"/>
+                </a:solidFill>
+                <a:effectLst/>
+                <a:latin typeface="Monaco"/>
+              </a:rPr>
+              <a:t>/var/log</a:t>
+            </a:r>
+            <a:endParaRPr lang="en-US" b="0" i="0" dirty="0">
+              <a:solidFill>
+                <a:srgbClr val="0A2540"/>
+              </a:solidFill>
+              <a:effectLst/>
+              <a:latin typeface="Open Sans" panose="020B0606030504020204" pitchFamily="34" charset="0"/>
+            </a:endParaRPr>
+          </a:p>
+          <a:p>
+            <a:endParaRPr lang="en-US" dirty="0"/>
+          </a:p>
+        </p:txBody>
+      </p:sp>
+    </p:spTree>
+    <p:extLst>
+      <p:ext uri="{BB962C8B-B14F-4D97-AF65-F5344CB8AC3E}">
+        <p14:creationId xmlns:p14="http://schemas.microsoft.com/office/powerpoint/2010/main" val="3371602781"/>
+      </p:ext>
+    </p:extLst>
+  </p:cSld>
+  <p:clrMapOvr>
+    <a:masterClrMapping/>
+  </p:clrMapOvr>
+</p:sld>
+</file>
+
+<file path=ppt/slides/slide32.xml><?xml version="1.0" encoding="utf-8"?>
+<p:sld xmlns:a="http://schemas.openxmlformats.org/drawingml/2006/main" xmlns:r="http://schemas.openxmlformats.org/officeDocument/2006/relationships" xmlns:p="http://schemas.openxmlformats.org/presentationml/2006/main">
+  <p:cSld>
+    <p:spTree>
+      <p:nvGrpSpPr>
+        <p:cNvPr id="1" name=""/>
+        <p:cNvGrpSpPr/>
+        <p:nvPr/>
+      </p:nvGrpSpPr>
+      <p:grpSpPr>
+        <a:xfrm>
+          <a:off x="0" y="0"/>
+          <a:ext cx="0" cy="0"/>
+          <a:chOff x="0" y="0"/>
+          <a:chExt cx="0" cy="0"/>
+        </a:xfrm>
+      </p:grpSpPr>
+      <p:sp>
+        <p:nvSpPr>
+          <p:cNvPr id="2" name="Title 1">
+            <a:extLst>
+              <a:ext uri="{FF2B5EF4-FFF2-40B4-BE49-F238E27FC236}">
+                <a16:creationId xmlns:a16="http://schemas.microsoft.com/office/drawing/2014/main" id="{8F66627A-98C9-4688-9B64-A7AC694B4232}"/>
+              </a:ext>
+            </a:extLst>
+          </p:cNvPr>
+          <p:cNvSpPr>
+            <a:spLocks noGrp="1"/>
+          </p:cNvSpPr>
+          <p:nvPr>
+            <p:ph type="title"/>
+          </p:nvPr>
+        </p:nvSpPr>
+        <p:spPr>
+          <a:xfrm>
+            <a:off x="838200" y="365125"/>
+            <a:ext cx="10515600" cy="679341"/>
+          </a:xfrm>
+        </p:spPr>
+        <p:txBody>
+          <a:bodyPr>
+            <a:normAutofit fontScale="90000"/>
+          </a:bodyPr>
+          <a:lstStyle/>
+          <a:p>
+            <a:r>
+              <a:rPr lang="en-US" dirty="0" err="1"/>
+              <a:t>Dockerfile</a:t>
+            </a:r>
+            <a:endParaRPr lang="en-US" dirty="0"/>
+          </a:p>
+        </p:txBody>
+      </p:sp>
+      <p:sp>
+        <p:nvSpPr>
+          <p:cNvPr id="3" name="Content Placeholder 2">
+            <a:extLst>
+              <a:ext uri="{FF2B5EF4-FFF2-40B4-BE49-F238E27FC236}">
+                <a16:creationId xmlns:a16="http://schemas.microsoft.com/office/drawing/2014/main" id="{972E050F-F74B-44B3-B5F9-C9399E811E3D}"/>
+              </a:ext>
+            </a:extLst>
+          </p:cNvPr>
+          <p:cNvSpPr>
+            <a:spLocks noGrp="1"/>
+          </p:cNvSpPr>
+          <p:nvPr>
+            <p:ph idx="1"/>
+          </p:nvPr>
+        </p:nvSpPr>
+        <p:spPr>
+          <a:xfrm>
+            <a:off x="838200" y="953814"/>
+            <a:ext cx="10515600" cy="5223149"/>
+          </a:xfrm>
+        </p:spPr>
+        <p:txBody>
+          <a:bodyPr/>
+          <a:lstStyle/>
+          <a:p>
+            <a:pPr algn="l">
+              <a:buFont typeface="Arial" panose="020B0604020202020204" pitchFamily="34" charset="0"/>
+              <a:buChar char="•"/>
+            </a:pPr>
+            <a:r>
+              <a:rPr lang="en-US" b="1" i="0" dirty="0">
+                <a:solidFill>
+                  <a:srgbClr val="0A2540"/>
+                </a:solidFill>
+                <a:effectLst/>
+                <a:latin typeface="Open Sans" panose="020B0606030504020204" pitchFamily="34" charset="0"/>
+              </a:rPr>
+              <a:t>WORKDIR</a:t>
+            </a:r>
+            <a:r>
+              <a:rPr lang="en-US" b="0" i="0" dirty="0">
+                <a:solidFill>
+                  <a:srgbClr val="0A2540"/>
+                </a:solidFill>
+                <a:effectLst/>
+                <a:latin typeface="Open Sans" panose="020B0606030504020204" pitchFamily="34" charset="0"/>
+              </a:rPr>
+              <a:t> – Define the default working directory for the command defined in the “ENTRYPOINT” or “CMD” instructions</a:t>
+            </a:r>
+          </a:p>
+          <a:p>
+            <a:pPr marL="742950" lvl="1" indent="-285750" algn="l">
+              <a:buFont typeface="Arial" panose="020B0604020202020204" pitchFamily="34" charset="0"/>
+              <a:buChar char="•"/>
+            </a:pPr>
+            <a:r>
+              <a:rPr lang="en-US" b="0" i="0" dirty="0">
+                <a:solidFill>
+                  <a:srgbClr val="000000"/>
+                </a:solidFill>
+                <a:effectLst/>
+                <a:latin typeface="Monaco"/>
+              </a:rPr>
+              <a:t>WORKDIR</a:t>
+            </a:r>
+            <a:r>
+              <a:rPr lang="en-US" b="0" i="0" dirty="0">
+                <a:solidFill>
+                  <a:srgbClr val="000000"/>
+                </a:solidFill>
+                <a:effectLst/>
+                <a:latin typeface="inherit"/>
+              </a:rPr>
+              <a:t> </a:t>
+            </a:r>
+            <a:r>
+              <a:rPr lang="en-US" b="0" i="0" dirty="0">
+                <a:solidFill>
+                  <a:srgbClr val="000000"/>
+                </a:solidFill>
+                <a:effectLst/>
+                <a:latin typeface="Monaco"/>
+              </a:rPr>
+              <a:t>/home</a:t>
+            </a:r>
+            <a:endParaRPr lang="en-US" b="0" i="0" dirty="0">
+              <a:solidFill>
+                <a:srgbClr val="0A2540"/>
+              </a:solidFill>
+              <a:effectLst/>
+              <a:latin typeface="Open Sans" panose="020B0606030504020204" pitchFamily="34" charset="0"/>
+            </a:endParaRPr>
+          </a:p>
+          <a:p>
+            <a:endParaRPr lang="en-US" dirty="0"/>
+          </a:p>
+        </p:txBody>
+      </p:sp>
+    </p:spTree>
+    <p:extLst>
+      <p:ext uri="{BB962C8B-B14F-4D97-AF65-F5344CB8AC3E}">
+        <p14:creationId xmlns:p14="http://schemas.microsoft.com/office/powerpoint/2010/main" val="2225789414"/>
+      </p:ext>
+    </p:extLst>
+  </p:cSld>
+  <p:clrMapOvr>
+    <a:masterClrMapping/>
+  </p:clrMapOvr>
+</p:sld>
+</file>
+
+<file path=ppt/slides/slide33.xml><?xml version="1.0" encoding="utf-8"?>
+<p:sld xmlns:a="http://schemas.openxmlformats.org/drawingml/2006/main" xmlns:r="http://schemas.openxmlformats.org/officeDocument/2006/relationships" xmlns:p="http://schemas.openxmlformats.org/presentationml/2006/main">
+  <p:cSld>
+    <p:spTree>
+      <p:nvGrpSpPr>
+        <p:cNvPr id="1" name=""/>
+        <p:cNvGrpSpPr/>
+        <p:nvPr/>
+      </p:nvGrpSpPr>
+      <p:grpSpPr>
+        <a:xfrm>
+          <a:off x="0" y="0"/>
+          <a:ext cx="0" cy="0"/>
+          <a:chOff x="0" y="0"/>
+          <a:chExt cx="0" cy="0"/>
+        </a:xfrm>
+      </p:grpSpPr>
+      <p:sp>
+        <p:nvSpPr>
+          <p:cNvPr id="2" name="Title 1">
+            <a:extLst>
+              <a:ext uri="{FF2B5EF4-FFF2-40B4-BE49-F238E27FC236}">
+                <a16:creationId xmlns:a16="http://schemas.microsoft.com/office/drawing/2014/main" id="{32C41FCE-7DB9-48E6-AEA0-B603FB05D1B7}"/>
+              </a:ext>
+            </a:extLst>
+          </p:cNvPr>
+          <p:cNvSpPr>
+            <a:spLocks noGrp="1"/>
+          </p:cNvSpPr>
+          <p:nvPr>
+            <p:ph type="title"/>
+          </p:nvPr>
+        </p:nvSpPr>
+        <p:spPr>
+          <a:xfrm>
+            <a:off x="838200" y="365126"/>
+            <a:ext cx="10515600" cy="659634"/>
+          </a:xfrm>
+        </p:spPr>
+        <p:txBody>
+          <a:bodyPr>
+            <a:normAutofit fontScale="90000"/>
+          </a:bodyPr>
+          <a:lstStyle/>
+          <a:p>
+            <a:r>
+              <a:rPr lang="en-US" dirty="0"/>
+              <a:t>Arg and Env</a:t>
+            </a:r>
+          </a:p>
+        </p:txBody>
+      </p:sp>
+      <p:pic>
+        <p:nvPicPr>
+          <p:cNvPr id="1026" name="Picture 2">
+            <a:extLst>
+              <a:ext uri="{FF2B5EF4-FFF2-40B4-BE49-F238E27FC236}">
+                <a16:creationId xmlns:a16="http://schemas.microsoft.com/office/drawing/2014/main" id="{7994FE6B-7083-4680-A0F2-643B1D248D38}"/>
+              </a:ext>
+            </a:extLst>
+          </p:cNvPr>
+          <p:cNvPicPr>
+            <a:picLocks noGrp="1" noChangeAspect="1" noChangeArrowheads="1"/>
+          </p:cNvPicPr>
+          <p:nvPr>
+            <p:ph idx="1"/>
+          </p:nvPr>
+        </p:nvPicPr>
+        <p:blipFill>
+          <a:blip r:embed="rId2">
+            <a:extLst>
+              <a:ext uri="{28A0092B-C50C-407E-A947-70E740481C1C}">
+                <a14:useLocalDpi xmlns:a14="http://schemas.microsoft.com/office/drawing/2010/main" val="0"/>
+              </a:ext>
+            </a:extLst>
+          </a:blip>
+          <a:srcRect/>
+          <a:stretch>
+            <a:fillRect/>
+          </a:stretch>
+        </p:blipFill>
+        <p:spPr bwMode="auto">
+          <a:xfrm>
+            <a:off x="2209166" y="976977"/>
+            <a:ext cx="6634871" cy="5925326"/>
+          </a:xfrm>
+          <a:prstGeom prst="rect">
+            <a:avLst/>
+          </a:prstGeom>
+          <a:noFill/>
+          <a:extLst>
+            <a:ext uri="{909E8E84-426E-40DD-AFC4-6F175D3DCCD1}">
+              <a14:hiddenFill xmlns:a14="http://schemas.microsoft.com/office/drawing/2010/main">
+                <a:solidFill>
+                  <a:srgbClr val="FFFFFF"/>
+                </a:solidFill>
+              </a14:hiddenFill>
+            </a:ext>
+          </a:extLst>
+        </p:spPr>
+      </p:pic>
+    </p:spTree>
+    <p:extLst>
+      <p:ext uri="{BB962C8B-B14F-4D97-AF65-F5344CB8AC3E}">
+        <p14:creationId xmlns:p14="http://schemas.microsoft.com/office/powerpoint/2010/main" val="1949802438"/>
       </p:ext>
     </p:extLst>
   </p:cSld>
